--- a/spring13/slides13/genprod.pptx
+++ b/spring13/slides13/genprod.pptx
@@ -3316,7 +3316,7 @@
           <a:graphicData uri="http://schemas.openxmlformats.org/presentationml/2006/ole">
             <mc:AlternateContent xmlns:mc="http://schemas.openxmlformats.org/markup-compatibility/2006">
               <mc:Choice xmlns:v="urn:schemas-microsoft-com:vml" Requires="v">
-                <p:oleObj spid="_x0000_s8230" name="Equation" r:id="rId4" imgW="914400" imgH="198720" progId="Equation.DSMT4">
+                <p:oleObj spid="_x0000_s8234" name="Equation" r:id="rId4" imgW="914400" imgH="198720" progId="Equation.DSMT4">
                   <p:embed/>
                 </p:oleObj>
               </mc:Choice>
@@ -3472,7 +3472,7 @@
           <a:graphicData uri="http://schemas.openxmlformats.org/presentationml/2006/ole">
             <mc:AlternateContent xmlns:mc="http://schemas.openxmlformats.org/markup-compatibility/2006">
               <mc:Choice xmlns:v="urn:schemas-microsoft-com:vml" Requires="v">
-                <p:oleObj spid="_x0000_s8231" name="Equation" r:id="rId6" imgW="1180800" imgH="507960" progId="Equation.DSMT4">
+                <p:oleObj spid="_x0000_s8235" name="Equation" r:id="rId6" imgW="1180800" imgH="507960" progId="Equation.DSMT4">
                   <p:embed/>
                 </p:oleObj>
               </mc:Choice>
@@ -3585,7 +3585,7 @@
           <a:graphicData uri="http://schemas.openxmlformats.org/presentationml/2006/ole">
             <mc:AlternateContent xmlns:mc="http://schemas.openxmlformats.org/markup-compatibility/2006">
               <mc:Choice xmlns:v="urn:schemas-microsoft-com:vml" Requires="v">
-                <p:oleObj spid="_x0000_s8232" name="Equation" r:id="rId8" imgW="469900" imgH="431800" progId="Equation.DSMT4">
+                <p:oleObj spid="_x0000_s8236" name="Equation" r:id="rId8" imgW="469900" imgH="431800" progId="Equation.DSMT4">
                   <p:embed/>
                 </p:oleObj>
               </mc:Choice>
@@ -5462,7 +5462,7 @@
           <a:graphicData uri="http://schemas.openxmlformats.org/presentationml/2006/ole">
             <mc:AlternateContent xmlns:mc="http://schemas.openxmlformats.org/markup-compatibility/2006">
               <mc:Choice xmlns:v="urn:schemas-microsoft-com:vml" Requires="v">
-                <p:oleObj spid="_x0000_s1044" name="Equation" r:id="rId4" imgW="406400" imgH="419100" progId="Equation.DSMT4">
+                <p:oleObj spid="_x0000_s1046" name="Equation" r:id="rId4" imgW="406400" imgH="419100" progId="Equation.DSMT4">
                   <p:embed/>
                 </p:oleObj>
               </mc:Choice>
@@ -7176,7 +7176,7 @@
           <a:graphicData uri="http://schemas.openxmlformats.org/presentationml/2006/ole">
             <mc:AlternateContent xmlns:mc="http://schemas.openxmlformats.org/markup-compatibility/2006">
               <mc:Choice xmlns:v="urn:schemas-microsoft-com:vml" Requires="v">
-                <p:oleObj spid="_x0000_s2083" name="Equation" r:id="rId4" imgW="914400" imgH="198720" progId="Equation.DSMT4">
+                <p:oleObj spid="_x0000_s2086" name="Equation" r:id="rId4" imgW="914400" imgH="198720" progId="Equation.DSMT4">
                   <p:embed/>
                 </p:oleObj>
               </mc:Choice>
@@ -7246,7 +7246,7 @@
           <a:graphicData uri="http://schemas.openxmlformats.org/presentationml/2006/ole">
             <mc:AlternateContent xmlns:mc="http://schemas.openxmlformats.org/markup-compatibility/2006">
               <mc:Choice xmlns:v="urn:schemas-microsoft-com:vml" Requires="v">
-                <p:oleObj spid="_x0000_s2084" name="Equation" r:id="rId6" imgW="1854000" imgH="406080" progId="Equation.DSMT4">
+                <p:oleObj spid="_x0000_s2087" name="Equation" r:id="rId6" imgW="1854000" imgH="406080" progId="Equation.DSMT4">
                   <p:embed/>
                 </p:oleObj>
               </mc:Choice>
@@ -7677,7 +7677,7 @@
           <a:graphicData uri="http://schemas.openxmlformats.org/presentationml/2006/ole">
             <mc:AlternateContent xmlns:mc="http://schemas.openxmlformats.org/markup-compatibility/2006">
               <mc:Choice xmlns:v="urn:schemas-microsoft-com:vml" Requires="v">
-                <p:oleObj spid="_x0000_s3093" name="Equation" r:id="rId4" imgW="914400" imgH="198720" progId="Equation.DSMT4">
+                <p:oleObj spid="_x0000_s3095" name="Equation" r:id="rId4" imgW="914400" imgH="198720" progId="Equation.DSMT4">
                   <p:embed/>
                 </p:oleObj>
               </mc:Choice>
@@ -8029,7 +8029,7 @@
           <a:graphicData uri="http://schemas.openxmlformats.org/presentationml/2006/ole">
             <mc:AlternateContent xmlns:mc="http://schemas.openxmlformats.org/markup-compatibility/2006">
               <mc:Choice xmlns:v="urn:schemas-microsoft-com:vml" Requires="v">
-                <p:oleObj spid="_x0000_s4118" name="Equation" r:id="rId4" imgW="914400" imgH="198720" progId="Equation.DSMT4">
+                <p:oleObj spid="_x0000_s4120" name="Equation" r:id="rId4" imgW="914400" imgH="198720" progId="Equation.DSMT4">
                   <p:embed/>
                 </p:oleObj>
               </mc:Choice>
@@ -8977,7 +8977,7 @@
           <a:graphicData uri="http://schemas.openxmlformats.org/presentationml/2006/ole">
             <mc:AlternateContent xmlns:mc="http://schemas.openxmlformats.org/markup-compatibility/2006">
               <mc:Choice xmlns:v="urn:schemas-microsoft-com:vml" Requires="v">
-                <p:oleObj spid="_x0000_s5141" name="Equation" r:id="rId4" imgW="914400" imgH="198720" progId="Equation.DSMT4">
+                <p:oleObj spid="_x0000_s5143" name="Equation" r:id="rId4" imgW="914400" imgH="198720" progId="Equation.DSMT4">
                   <p:embed/>
                 </p:oleObj>
               </mc:Choice>
@@ -10443,7 +10443,7 @@
           <a:graphicData uri="http://schemas.openxmlformats.org/presentationml/2006/ole">
             <mc:AlternateContent xmlns:mc="http://schemas.openxmlformats.org/markup-compatibility/2006">
               <mc:Choice xmlns:v="urn:schemas-microsoft-com:vml" Requires="v">
-                <p:oleObj spid="_x0000_s7217" name="Equation" r:id="rId4" imgW="914400" imgH="198720" progId="Equation.DSMT4">
+                <p:oleObj spid="_x0000_s7221" name="Equation" r:id="rId4" imgW="914400" imgH="198720" progId="Equation.DSMT4">
                   <p:embed/>
                 </p:oleObj>
               </mc:Choice>
@@ -10563,22 +10563,28 @@
           <p:cNvGraphicFramePr>
             <a:graphicFrameLocks noChangeAspect="1"/>
           </p:cNvGraphicFramePr>
-          <p:nvPr/>
+          <p:nvPr>
+            <p:extLst>
+              <p:ext uri="{D42A27DB-BD31-4B8C-83A1-F6EECF244321}">
+                <p14:modId xmlns:p14="http://schemas.microsoft.com/office/powerpoint/2010/main" val="2323453144"/>
+              </p:ext>
+            </p:extLst>
+          </p:nvPr>
         </p:nvGraphicFramePr>
         <p:xfrm>
-          <a:off x="4773613" y="3505200"/>
-          <a:ext cx="1422400" cy="1752600"/>
+          <a:off x="4773612" y="3386138"/>
+          <a:ext cx="1592239" cy="2024062"/>
         </p:xfrm>
         <a:graphic>
           <a:graphicData uri="http://schemas.openxmlformats.org/presentationml/2006/ole">
             <mc:AlternateContent xmlns:mc="http://schemas.openxmlformats.org/markup-compatibility/2006">
               <mc:Choice xmlns:v="urn:schemas-microsoft-com:vml" Requires="v">
-                <p:oleObj spid="_x0000_s7218" name="Equation" r:id="rId6" imgW="330120" imgH="406080" progId="Equation.DSMT4">
+                <p:oleObj spid="_x0000_s7222" name="Equation" r:id="rId6" imgW="330200" imgH="419100" progId="Equation.DSMT4">
                   <p:embed/>
                 </p:oleObj>
               </mc:Choice>
               <mc:Fallback>
-                <p:oleObj name="Equation" r:id="rId6" imgW="330120" imgH="406080" progId="Equation.DSMT4">
+                <p:oleObj name="Equation" r:id="rId6" imgW="330200" imgH="419100" progId="Equation.DSMT4">
                   <p:embed/>
                   <p:pic>
                     <p:nvPicPr>
@@ -10589,13 +10595,7 @@
                       <p:nvPr/>
                     </p:nvPicPr>
                     <p:blipFill>
-                      <a:blip r:embed="rId7">
-                        <a:extLst>
-                          <a:ext uri="{28A0092B-C50C-407E-A947-70E740481C1C}">
-                            <a14:useLocalDpi xmlns:a14="http://schemas.microsoft.com/office/drawing/2010/main" val="0"/>
-                          </a:ext>
-                        </a:extLst>
-                      </a:blip>
+                      <a:blip r:embed="rId7"/>
                       <a:srcRect/>
                       <a:stretch>
                         <a:fillRect/>
@@ -10603,22 +10603,14 @@
                     </p:blipFill>
                     <p:spPr bwMode="auto">
                       <a:xfrm>
-                        <a:off x="4773613" y="3505200"/>
-                        <a:ext cx="1422400" cy="1752600"/>
+                        <a:off x="4773612" y="3386138"/>
+                        <a:ext cx="1592239" cy="2024062"/>
                       </a:xfrm>
                       <a:prstGeom prst="rect">
                         <a:avLst/>
                       </a:prstGeom>
                       <a:noFill/>
-                      <a:extLst>
-                        <a:ext uri="{909E8E84-426E-40dd-AFC4-6F175D3DCCD1}">
-                          <a14:hiddenFill xmlns:a14="http://schemas.microsoft.com/office/drawing/2010/main">
-                            <a:solidFill>
-                              <a:srgbClr val="FFFFFF"/>
-                            </a:solidFill>
-                          </a14:hiddenFill>
-                        </a:ext>
-                      </a:extLst>
+                      <a:extLst/>
                     </p:spPr>
                   </p:pic>
                 </p:oleObj>
@@ -10643,7 +10635,7 @@
           <a:graphicData uri="http://schemas.openxmlformats.org/presentationml/2006/ole">
             <mc:AlternateContent xmlns:mc="http://schemas.openxmlformats.org/markup-compatibility/2006">
               <mc:Choice xmlns:v="urn:schemas-microsoft-com:vml" Requires="v">
-                <p:oleObj spid="_x0000_s7219" name="Equation" r:id="rId8" imgW="571320" imgH="457200" progId="Equation.DSMT4">
+                <p:oleObj spid="_x0000_s7223" name="Equation" r:id="rId8" imgW="571320" imgH="457200" progId="Equation.DSMT4">
                   <p:embed/>
                 </p:oleObj>
               </mc:Choice>
